--- a/report/Golubev_CMSE822_CG_poster.pptx
+++ b/report/Golubev_CMSE822_CG_poster.pptx
@@ -518,7 +518,7 @@
               </a14:hiddenFill>
             </a:ext>
             <a:ext uri="{FAA26D3D-D897-4be2-8F04-BA451C77F1D7}">
-              <ma14:placeholderFlag xmlns:ma14="http://schemas.microsoft.com/office/mac/drawingml/2011/main" xmlns="" val="1"/>
+              <ma14:placeholderFlag xmlns="" xmlns:ma14="http://schemas.microsoft.com/office/mac/drawingml/2011/main" val="1"/>
             </a:ext>
           </a:extLst>
         </p:spPr>
@@ -1495,7 +1495,7 @@
               </a14:hiddenLine>
             </a:ext>
             <a:ext uri="{FAA26D3D-D897-4be2-8F04-BA451C77F1D7}">
-              <ma14:placeholderFlag xmlns:ma14="http://schemas.microsoft.com/office/mac/drawingml/2011/main" xmlns="" val="1"/>
+              <ma14:placeholderFlag xmlns="" xmlns:ma14="http://schemas.microsoft.com/office/mac/drawingml/2011/main" val="1"/>
             </a:ext>
           </a:extLst>
         </p:spPr>
@@ -24931,7 +24931,7 @@
               </a14:hiddenLine>
             </a:ext>
             <a:ext uri="{FAA26D3D-D897-4be2-8F04-BA451C77F1D7}">
-              <ma14:placeholderFlag xmlns:ma14="http://schemas.microsoft.com/office/mac/drawingml/2011/main" xmlns="" val="1"/>
+              <ma14:placeholderFlag xmlns="" xmlns:ma14="http://schemas.microsoft.com/office/mac/drawingml/2011/main" val="1"/>
             </a:ext>
           </a:extLst>
         </p:spPr>
@@ -24992,7 +24992,7 @@
               </a14:hiddenLine>
             </a:ext>
             <a:ext uri="{FAA26D3D-D897-4be2-8F04-BA451C77F1D7}">
-              <ma14:placeholderFlag xmlns:ma14="http://schemas.microsoft.com/office/mac/drawingml/2011/main" xmlns="" val="1"/>
+              <ma14:placeholderFlag xmlns="" xmlns:ma14="http://schemas.microsoft.com/office/mac/drawingml/2011/main" val="1"/>
             </a:ext>
           </a:extLst>
         </p:spPr>
@@ -25802,7 +25802,7 @@
               </a14:hiddenLine>
             </a:ext>
             <a:ext uri="{FAA26D3D-D897-4be2-8F04-BA451C77F1D7}">
-              <ma14:placeholderFlag xmlns:ma14="http://schemas.microsoft.com/office/mac/drawingml/2011/main" xmlns="" val="1"/>
+              <ma14:placeholderFlag xmlns="" xmlns:ma14="http://schemas.microsoft.com/office/mac/drawingml/2011/main" val="1"/>
             </a:ext>
           </a:extLst>
         </p:spPr>
@@ -25919,7 +25919,7 @@
               </a14:hiddenLine>
             </a:ext>
             <a:ext uri="{FAA26D3D-D897-4be2-8F04-BA451C77F1D7}">
-              <ma14:placeholderFlag xmlns:ma14="http://schemas.microsoft.com/office/mac/drawingml/2011/main" xmlns="" val="1"/>
+              <ma14:placeholderFlag xmlns="" xmlns:ma14="http://schemas.microsoft.com/office/mac/drawingml/2011/main" val="1"/>
             </a:ext>
           </a:extLst>
         </p:spPr>
@@ -26486,7 +26486,7 @@
               </a14:hiddenLine>
             </a:ext>
             <a:ext uri="{FAA26D3D-D897-4be2-8F04-BA451C77F1D7}">
-              <ma14:placeholderFlag xmlns:ma14="http://schemas.microsoft.com/office/mac/drawingml/2011/main" xmlns="" val="1"/>
+              <ma14:placeholderFlag xmlns="" xmlns:ma14="http://schemas.microsoft.com/office/mac/drawingml/2011/main" val="1"/>
             </a:ext>
           </a:extLst>
         </p:spPr>
@@ -26603,7 +26603,7 @@
               </a14:hiddenLine>
             </a:ext>
             <a:ext uri="{FAA26D3D-D897-4be2-8F04-BA451C77F1D7}">
-              <ma14:placeholderFlag xmlns:ma14="http://schemas.microsoft.com/office/mac/drawingml/2011/main" xmlns="" val="1"/>
+              <ma14:placeholderFlag xmlns="" xmlns:ma14="http://schemas.microsoft.com/office/mac/drawingml/2011/main" val="1"/>
             </a:ext>
           </a:extLst>
         </p:spPr>
@@ -27170,7 +27170,7 @@
               </a14:hiddenLine>
             </a:ext>
             <a:ext uri="{FAA26D3D-D897-4be2-8F04-BA451C77F1D7}">
-              <ma14:placeholderFlag xmlns:ma14="http://schemas.microsoft.com/office/mac/drawingml/2011/main" xmlns="" val="1"/>
+              <ma14:placeholderFlag xmlns="" xmlns:ma14="http://schemas.microsoft.com/office/mac/drawingml/2011/main" val="1"/>
             </a:ext>
           </a:extLst>
         </p:spPr>
@@ -27287,7 +27287,7 @@
               </a14:hiddenLine>
             </a:ext>
             <a:ext uri="{FAA26D3D-D897-4be2-8F04-BA451C77F1D7}">
-              <ma14:placeholderFlag xmlns:ma14="http://schemas.microsoft.com/office/mac/drawingml/2011/main" xmlns="" val="1"/>
+              <ma14:placeholderFlag xmlns="" xmlns:ma14="http://schemas.microsoft.com/office/mac/drawingml/2011/main" val="1"/>
             </a:ext>
           </a:extLst>
         </p:spPr>
@@ -28127,7 +28127,7 @@
               </a14:hiddenLine>
             </a:ext>
             <a:ext uri="{FAA26D3D-D897-4be2-8F04-BA451C77F1D7}">
-              <ma14:placeholderFlag xmlns:ma14="http://schemas.microsoft.com/office/mac/drawingml/2011/main" xmlns="" val="1"/>
+              <ma14:placeholderFlag xmlns="" xmlns:ma14="http://schemas.microsoft.com/office/mac/drawingml/2011/main" val="1"/>
             </a:ext>
           </a:extLst>
         </p:spPr>
@@ -28188,7 +28188,7 @@
               </a14:hiddenLine>
             </a:ext>
             <a:ext uri="{FAA26D3D-D897-4be2-8F04-BA451C77F1D7}">
-              <ma14:placeholderFlag xmlns:ma14="http://schemas.microsoft.com/office/mac/drawingml/2011/main" xmlns="" val="1"/>
+              <ma14:placeholderFlag xmlns="" xmlns:ma14="http://schemas.microsoft.com/office/mac/drawingml/2011/main" val="1"/>
             </a:ext>
           </a:extLst>
         </p:spPr>
@@ -29098,7 +29098,7 @@
               </a14:hiddenLine>
             </a:ext>
             <a:ext uri="{FAA26D3D-D897-4be2-8F04-BA451C77F1D7}">
-              <ma14:placeholderFlag xmlns:ma14="http://schemas.microsoft.com/office/mac/drawingml/2011/main" xmlns="" val="1"/>
+              <ma14:placeholderFlag xmlns="" xmlns:ma14="http://schemas.microsoft.com/office/mac/drawingml/2011/main" val="1"/>
             </a:ext>
           </a:extLst>
         </p:spPr>
@@ -29159,7 +29159,7 @@
               </a14:hiddenLine>
             </a:ext>
             <a:ext uri="{FAA26D3D-D897-4be2-8F04-BA451C77F1D7}">
-              <ma14:placeholderFlag xmlns:ma14="http://schemas.microsoft.com/office/mac/drawingml/2011/main" xmlns="" val="1"/>
+              <ma14:placeholderFlag xmlns="" xmlns:ma14="http://schemas.microsoft.com/office/mac/drawingml/2011/main" val="1"/>
             </a:ext>
           </a:extLst>
         </p:spPr>
@@ -29807,7 +29807,7 @@
               </a14:hiddenLine>
             </a:ext>
             <a:ext uri="{FAA26D3D-D897-4be2-8F04-BA451C77F1D7}">
-              <ma14:placeholderFlag xmlns:ma14="http://schemas.microsoft.com/office/mac/drawingml/2011/main" xmlns="" val="1"/>
+              <ma14:placeholderFlag xmlns="" xmlns:ma14="http://schemas.microsoft.com/office/mac/drawingml/2011/main" val="1"/>
             </a:ext>
           </a:extLst>
         </p:spPr>
@@ -30070,7 +30070,7 @@
               </a14:hiddenLine>
             </a:ext>
             <a:ext uri="{FAA26D3D-D897-4be2-8F04-BA451C77F1D7}">
-              <ma14:placeholderFlag xmlns:ma14="http://schemas.microsoft.com/office/mac/drawingml/2011/main" xmlns="" val="1"/>
+              <ma14:placeholderFlag xmlns="" xmlns:ma14="http://schemas.microsoft.com/office/mac/drawingml/2011/main" val="1"/>
             </a:ext>
           </a:extLst>
         </p:spPr>
@@ -31173,7 +31173,7 @@
               </a14:hiddenLine>
             </a:ext>
             <a:ext uri="{FAA26D3D-D897-4be2-8F04-BA451C77F1D7}">
-              <ma14:placeholderFlag xmlns:ma14="http://schemas.microsoft.com/office/mac/drawingml/2011/main" xmlns="" val="1"/>
+              <ma14:placeholderFlag xmlns="" xmlns:ma14="http://schemas.microsoft.com/office/mac/drawingml/2011/main" val="1"/>
             </a:ext>
           </a:extLst>
         </p:spPr>
@@ -31290,7 +31290,7 @@
               </a14:hiddenLine>
             </a:ext>
             <a:ext uri="{FAA26D3D-D897-4be2-8F04-BA451C77F1D7}">
-              <ma14:placeholderFlag xmlns:ma14="http://schemas.microsoft.com/office/mac/drawingml/2011/main" xmlns="" val="1"/>
+              <ma14:placeholderFlag xmlns="" xmlns:ma14="http://schemas.microsoft.com/office/mac/drawingml/2011/main" val="1"/>
             </a:ext>
           </a:extLst>
         </p:spPr>
@@ -32539,7 +32539,7 @@
               </a14:hiddenLine>
             </a:ext>
             <a:ext uri="{FAA26D3D-D897-4be2-8F04-BA451C77F1D7}">
-              <ma14:placeholderFlag xmlns:ma14="http://schemas.microsoft.com/office/mac/drawingml/2011/main" xmlns="" val="1"/>
+              <ma14:placeholderFlag xmlns="" xmlns:ma14="http://schemas.microsoft.com/office/mac/drawingml/2011/main" val="1"/>
             </a:ext>
           </a:extLst>
         </p:spPr>
@@ -32656,7 +32656,7 @@
               </a14:hiddenLine>
             </a:ext>
             <a:ext uri="{FAA26D3D-D897-4be2-8F04-BA451C77F1D7}">
-              <ma14:placeholderFlag xmlns:ma14="http://schemas.microsoft.com/office/mac/drawingml/2011/main" xmlns="" val="1"/>
+              <ma14:placeholderFlag xmlns="" xmlns:ma14="http://schemas.microsoft.com/office/mac/drawingml/2011/main" val="1"/>
             </a:ext>
           </a:extLst>
         </p:spPr>
@@ -33342,7 +33342,7 @@
               </a14:hiddenLine>
             </a:ext>
             <a:ext uri="{FAA26D3D-D897-4be2-8F04-BA451C77F1D7}">
-              <ma14:placeholderFlag xmlns:ma14="http://schemas.microsoft.com/office/mac/drawingml/2011/main" xmlns="" val="1"/>
+              <ma14:placeholderFlag xmlns="" xmlns:ma14="http://schemas.microsoft.com/office/mac/drawingml/2011/main" val="1"/>
             </a:ext>
           </a:extLst>
         </p:spPr>
@@ -33459,7 +33459,7 @@
               </a14:hiddenLine>
             </a:ext>
             <a:ext uri="{FAA26D3D-D897-4be2-8F04-BA451C77F1D7}">
-              <ma14:placeholderFlag xmlns:ma14="http://schemas.microsoft.com/office/mac/drawingml/2011/main" xmlns="" val="1"/>
+              <ma14:placeholderFlag xmlns="" xmlns:ma14="http://schemas.microsoft.com/office/mac/drawingml/2011/main" val="1"/>
             </a:ext>
           </a:extLst>
         </p:spPr>
@@ -34145,7 +34145,7 @@
               </a14:hiddenLine>
             </a:ext>
             <a:ext uri="{FAA26D3D-D897-4be2-8F04-BA451C77F1D7}">
-              <ma14:placeholderFlag xmlns:ma14="http://schemas.microsoft.com/office/mac/drawingml/2011/main" xmlns="" val="1"/>
+              <ma14:placeholderFlag xmlns="" xmlns:ma14="http://schemas.microsoft.com/office/mac/drawingml/2011/main" val="1"/>
             </a:ext>
           </a:extLst>
         </p:spPr>
@@ -34262,7 +34262,7 @@
               </a14:hiddenLine>
             </a:ext>
             <a:ext uri="{FAA26D3D-D897-4be2-8F04-BA451C77F1D7}">
-              <ma14:placeholderFlag xmlns:ma14="http://schemas.microsoft.com/office/mac/drawingml/2011/main" xmlns="" val="1"/>
+              <ma14:placeholderFlag xmlns="" xmlns:ma14="http://schemas.microsoft.com/office/mac/drawingml/2011/main" val="1"/>
             </a:ext>
           </a:extLst>
         </p:spPr>
@@ -34829,7 +34829,7 @@
               </a14:hiddenLine>
             </a:ext>
             <a:ext uri="{FAA26D3D-D897-4be2-8F04-BA451C77F1D7}">
-              <ma14:placeholderFlag xmlns:ma14="http://schemas.microsoft.com/office/mac/drawingml/2011/main" xmlns="" val="1"/>
+              <ma14:placeholderFlag xmlns="" xmlns:ma14="http://schemas.microsoft.com/office/mac/drawingml/2011/main" val="1"/>
             </a:ext>
           </a:extLst>
         </p:spPr>
@@ -34946,7 +34946,7 @@
               </a14:hiddenLine>
             </a:ext>
             <a:ext uri="{FAA26D3D-D897-4be2-8F04-BA451C77F1D7}">
-              <ma14:placeholderFlag xmlns:ma14="http://schemas.microsoft.com/office/mac/drawingml/2011/main" xmlns="" val="1"/>
+              <ma14:placeholderFlag xmlns="" xmlns:ma14="http://schemas.microsoft.com/office/mac/drawingml/2011/main" val="1"/>
             </a:ext>
           </a:extLst>
         </p:spPr>
@@ -38233,38 +38233,6 @@
                 <a:cs typeface="ＭＳ Ｐゴシック" charset="0"/>
               </a:rPr>
               <a:t>CG Parallelization methods</a:t>
-            </a:r>
-          </a:p>
-        </p:txBody>
-      </p:sp>
-      <p:sp>
-        <p:nvSpPr>
-          <p:cNvPr id="230" name="Rectangle 229"/>
-          <p:cNvSpPr/>
-          <p:nvPr/>
-        </p:nvSpPr>
-        <p:spPr>
-          <a:xfrm>
-            <a:off x="296641" y="25146000"/>
-            <a:ext cx="4904874" cy="646331"/>
-          </a:xfrm>
-          <a:prstGeom prst="rect">
-            <a:avLst/>
-          </a:prstGeom>
-        </p:spPr>
-        <p:txBody>
-          <a:bodyPr wrap="square">
-            <a:spAutoFit/>
-          </a:bodyPr>
-          <a:lstStyle/>
-          <a:p>
-            <a:pPr algn="just"/>
-            <a:r>
-              <a:rPr lang="en-US" sz="3600" dirty="0">
-                <a:latin typeface="Times New Roman" charset="0"/>
-                <a:cs typeface="Times New Roman" charset="0"/>
-              </a:rPr>
-              <a:t>.</a:t>
             </a:r>
           </a:p>
         </p:txBody>
